--- a/reference_content/Slides/text_gen_lstm.pptx
+++ b/reference_content/Slides/text_gen_lstm.pptx
@@ -5,20 +5,21 @@
     <p:sldMasterId id="2147483660" r:id="rId1"/>
   </p:sldMasterIdLst>
   <p:sldIdLst>
-    <p:sldId id="256" r:id="rId2"/>
-    <p:sldId id="258" r:id="rId3"/>
-    <p:sldId id="259" r:id="rId4"/>
-    <p:sldId id="257" r:id="rId5"/>
-    <p:sldId id="260" r:id="rId6"/>
-    <p:sldId id="262" r:id="rId7"/>
-    <p:sldId id="261" r:id="rId8"/>
-    <p:sldId id="263" r:id="rId9"/>
-    <p:sldId id="264" r:id="rId10"/>
-    <p:sldId id="265" r:id="rId11"/>
-    <p:sldId id="266" r:id="rId12"/>
-    <p:sldId id="267" r:id="rId13"/>
-    <p:sldId id="268" r:id="rId14"/>
-    <p:sldId id="269" r:id="rId15"/>
+    <p:sldId id="270" r:id="rId2"/>
+    <p:sldId id="256" r:id="rId3"/>
+    <p:sldId id="258" r:id="rId4"/>
+    <p:sldId id="259" r:id="rId5"/>
+    <p:sldId id="257" r:id="rId6"/>
+    <p:sldId id="260" r:id="rId7"/>
+    <p:sldId id="262" r:id="rId8"/>
+    <p:sldId id="261" r:id="rId9"/>
+    <p:sldId id="263" r:id="rId10"/>
+    <p:sldId id="264" r:id="rId11"/>
+    <p:sldId id="265" r:id="rId12"/>
+    <p:sldId id="266" r:id="rId13"/>
+    <p:sldId id="267" r:id="rId14"/>
+    <p:sldId id="268" r:id="rId15"/>
+    <p:sldId id="269" r:id="rId16"/>
   </p:sldIdLst>
   <p:sldSz cx="12192000" cy="6858000"/>
   <p:notesSz cx="6858000" cy="9144000"/>
@@ -3638,7 +3639,7 @@
           <p:cNvPr id="2" name="Title 1">
             <a:extLst>
               <a:ext uri="{FF2B5EF4-FFF2-40B4-BE49-F238E27FC236}">
-                <a16:creationId xmlns:a16="http://schemas.microsoft.com/office/drawing/2014/main" id="{CDF519A7-928A-8E8E-35F1-C85EE3203ABA}"/>
+                <a16:creationId xmlns:a16="http://schemas.microsoft.com/office/drawing/2014/main" id="{045E96E6-1989-3894-BE63-3B20FA8E155F}"/>
               </a:ext>
             </a:extLst>
           </p:cNvPr>
@@ -3646,7 +3647,7 @@
             <a:spLocks noGrp="1"/>
           </p:cNvSpPr>
           <p:nvPr>
-            <p:ph type="ctrTitle"/>
+            <p:ph type="title"/>
           </p:nvPr>
         </p:nvSpPr>
         <p:spPr/>
@@ -3656,17 +3657,17 @@
           <a:p>
             <a:r>
               <a:rPr lang="en-US" dirty="0"/>
-              <a:t>Text Generation</a:t>
-            </a:r>
-          </a:p>
-        </p:txBody>
-      </p:sp>
-      <p:sp>
-        <p:nvSpPr>
-          <p:cNvPr id="3" name="Subtitle 2">
+              <a:t>Housekeeping</a:t>
+            </a:r>
+          </a:p>
+        </p:txBody>
+      </p:sp>
+      <p:sp>
+        <p:nvSpPr>
+          <p:cNvPr id="3" name="Content Placeholder 2">
             <a:extLst>
               <a:ext uri="{FF2B5EF4-FFF2-40B4-BE49-F238E27FC236}">
-                <a16:creationId xmlns:a16="http://schemas.microsoft.com/office/drawing/2014/main" id="{365B798F-E73B-B6DD-4907-5069BB3FDB16}"/>
+                <a16:creationId xmlns:a16="http://schemas.microsoft.com/office/drawing/2014/main" id="{CE3D87D5-E880-1186-F0E5-8E4C7D11CC1A}"/>
               </a:ext>
             </a:extLst>
           </p:cNvPr>
@@ -3674,22 +3675,57 @@
             <a:spLocks noGrp="1"/>
           </p:cNvSpPr>
           <p:nvPr>
-            <p:ph type="subTitle" idx="1"/>
-          </p:nvPr>
-        </p:nvSpPr>
-        <p:spPr/>
-        <p:txBody>
-          <a:bodyPr/>
-          <a:lstStyle/>
-          <a:p>
-            <a:endParaRPr lang="en-US"/>
+            <p:ph idx="1"/>
+          </p:nvPr>
+        </p:nvSpPr>
+        <p:spPr>
+          <a:xfrm>
+            <a:off x="1451579" y="1853754"/>
+            <a:ext cx="9603275" cy="4199727"/>
+          </a:xfrm>
+        </p:spPr>
+        <p:txBody>
+          <a:bodyPr/>
+          <a:lstStyle/>
+          <a:p>
+            <a:r>
+              <a:rPr lang="en-US" dirty="0"/>
+              <a:t>Project stuff – ask away if you have any questions. </a:t>
+            </a:r>
+          </a:p>
+          <a:p>
+            <a:r>
+              <a:rPr lang="en-US" dirty="0"/>
+              <a:t>Today:</a:t>
+            </a:r>
+          </a:p>
+          <a:p>
+            <a:pPr lvl="1"/>
+            <a:r>
+              <a:rPr lang="en-US" dirty="0"/>
+              <a:t>Text generation with LSTMs. </a:t>
+            </a:r>
+          </a:p>
+          <a:p>
+            <a:pPr lvl="1"/>
+            <a:r>
+              <a:rPr lang="en-US" dirty="0"/>
+              <a:t>Text padding. </a:t>
+            </a:r>
+          </a:p>
+          <a:p>
+            <a:pPr lvl="1"/>
+            <a:r>
+              <a:rPr lang="en-US"/>
+              <a:t>Temperature. </a:t>
+            </a:r>
           </a:p>
         </p:txBody>
       </p:sp>
     </p:spTree>
     <p:extLst>
       <p:ext uri="{BB962C8B-B14F-4D97-AF65-F5344CB8AC3E}">
-        <p14:creationId xmlns:p14="http://schemas.microsoft.com/office/powerpoint/2010/main" val="838896935"/>
+        <p14:creationId xmlns:p14="http://schemas.microsoft.com/office/powerpoint/2010/main" val="3914134961"/>
       </p:ext>
     </p:extLst>
   </p:cSld>
@@ -3721,7 +3757,7 @@
           <p:cNvPr id="2" name="Title 1">
             <a:extLst>
               <a:ext uri="{FF2B5EF4-FFF2-40B4-BE49-F238E27FC236}">
-                <a16:creationId xmlns:a16="http://schemas.microsoft.com/office/drawing/2014/main" id="{38C96FF3-69E9-A64D-99BE-2F7691D36E32}"/>
+                <a16:creationId xmlns:a16="http://schemas.microsoft.com/office/drawing/2014/main" id="{A55DDFA4-393E-5110-6900-68096A021D55}"/>
               </a:ext>
             </a:extLst>
           </p:cNvPr>
@@ -3739,7 +3775,7 @@
           <a:p>
             <a:r>
               <a:rPr lang="en-US" dirty="0"/>
-              <a:t>Language Model Notes</a:t>
+              <a:t>Post Padding</a:t>
             </a:r>
           </a:p>
         </p:txBody>
@@ -3749,7 +3785,7 @@
           <p:cNvPr id="3" name="Content Placeholder 2">
             <a:extLst>
               <a:ext uri="{FF2B5EF4-FFF2-40B4-BE49-F238E27FC236}">
-                <a16:creationId xmlns:a16="http://schemas.microsoft.com/office/drawing/2014/main" id="{ADBB1894-E1A6-0D07-7927-6D634344EC7E}"/>
+                <a16:creationId xmlns:a16="http://schemas.microsoft.com/office/drawing/2014/main" id="{F97CAC3D-573A-FAD8-A247-F31CBCB99315}"/>
               </a:ext>
             </a:extLst>
           </p:cNvPr>
@@ -3762,8 +3798,8 @@
         </p:nvSpPr>
         <p:spPr>
           <a:xfrm>
-            <a:off x="1451579" y="2015732"/>
-            <a:ext cx="9603275" cy="3981208"/>
+            <a:off x="1451579" y="1853754"/>
+            <a:ext cx="9603275" cy="1308547"/>
           </a:xfrm>
         </p:spPr>
         <p:txBody>
@@ -3772,60 +3808,78 @@
           <a:p>
             <a:r>
               <a:rPr lang="en-US" dirty="0"/>
-              <a:t>This is very simple processing for text, for a simple model. </a:t>
-            </a:r>
-          </a:p>
-          <a:p>
-            <a:r>
-              <a:rPr lang="en-US" dirty="0"/>
-              <a:t>In larger models, the data preparation is different. </a:t>
+              <a:t>After padding, we have a usable dataset. </a:t>
             </a:r>
           </a:p>
           <a:p>
             <a:pPr lvl="1"/>
             <a:r>
               <a:rPr lang="en-US" dirty="0"/>
-              <a:t>Construction of the datasets is potentially a lot of work. </a:t>
+              <a:t>Each X value will be a fixed number of tokens before the current word.</a:t>
             </a:r>
           </a:p>
           <a:p>
             <a:pPr lvl="1"/>
             <a:r>
               <a:rPr lang="en-US" dirty="0"/>
-              <a:t>Specific applications like chatbots may need to restructure data into prompt-response. </a:t>
+              <a:t>The target is the next token, we can train. </a:t>
             </a:r>
           </a:p>
           <a:p>
             <a:pPr lvl="1"/>
-            <a:r>
-              <a:rPr lang="en-US" dirty="0"/>
-              <a:t>Other models are commonly used to help process the massive amount of data. </a:t>
-            </a:r>
-          </a:p>
-          <a:p>
-            <a:pPr lvl="1"/>
-            <a:r>
-              <a:rPr lang="en-US" dirty="0"/>
-              <a:t>The dataset is massive, and may only have one or two epochs. </a:t>
-            </a:r>
-          </a:p>
-          <a:p>
-            <a:r>
-              <a:rPr lang="en-US" dirty="0"/>
-              <a:t>We are tokenizing and predicting discreet words. A larger model would use embedding values, and predict a “location” in </a:t>
-            </a:r>
-            <a:r>
-              <a:rPr lang="en-US"/>
-              <a:t>that embedding space. </a:t>
-            </a:r>
             <a:endParaRPr lang="en-US" dirty="0"/>
           </a:p>
         </p:txBody>
       </p:sp>
+      <p:pic>
+        <p:nvPicPr>
+          <p:cNvPr id="4098" name="Picture 2" descr="PackedBERT: How to accelerate NLP tasks for Transformers with packing">
+            <a:extLst>
+              <a:ext uri="{FF2B5EF4-FFF2-40B4-BE49-F238E27FC236}">
+                <a16:creationId xmlns:a16="http://schemas.microsoft.com/office/drawing/2014/main" id="{D9E303AE-084E-660D-E255-9A480975C554}"/>
+              </a:ext>
+            </a:extLst>
+          </p:cNvPr>
+          <p:cNvPicPr>
+            <a:picLocks noChangeAspect="1" noChangeArrowheads="1"/>
+          </p:cNvPicPr>
+          <p:nvPr/>
+        </p:nvPicPr>
+        <p:blipFill rotWithShape="1">
+          <a:blip r:embed="rId2">
+            <a:extLst>
+              <a:ext uri="{28A0092B-C50C-407E-A947-70E740481C1C}">
+                <a14:useLocalDpi xmlns:a14="http://schemas.microsoft.com/office/drawing/2010/main" val="0"/>
+              </a:ext>
+            </a:extLst>
+          </a:blip>
+          <a:srcRect l="13125" t="23000" r="10562" b="23111"/>
+          <a:stretch/>
+        </p:blipFill>
+        <p:spPr bwMode="auto">
+          <a:xfrm>
+            <a:off x="1451579" y="3162300"/>
+            <a:ext cx="9304020" cy="3695700"/>
+          </a:xfrm>
+          <a:prstGeom prst="rect">
+            <a:avLst/>
+          </a:prstGeom>
+          <a:noFill/>
+          <a:extLst>
+            <a:ext uri="{909E8E84-426E-40DD-AFC4-6F175D3DCCD1}">
+              <a14:hiddenFill xmlns:a14="http://schemas.microsoft.com/office/drawing/2010/main">
+                <a:solidFill>
+                  <a:srgbClr val="FFFFFF"/>
+                </a:solidFill>
+              </a14:hiddenFill>
+            </a:ext>
+          </a:extLst>
+        </p:spPr>
+      </p:pic>
     </p:spTree>
     <p:extLst>
       <p:ext uri="{BB962C8B-B14F-4D97-AF65-F5344CB8AC3E}">
-        <p14:creationId xmlns:p14="http://schemas.microsoft.com/office/powerpoint/2010/main" val="1573726145"/>
+        <p14:creationId xmlns:p14="http://schemas.microsoft.com/office/powerpoint/2010/main" val="3368754457"/>
       </p:ext>
     </p:extLst>
   </p:cSld>
@@ -3857,6 +3911,145 @@
           <p:cNvPr id="2" name="Title 1">
             <a:extLst>
               <a:ext uri="{FF2B5EF4-FFF2-40B4-BE49-F238E27FC236}">
+                <a16:creationId xmlns:a16="http://schemas.microsoft.com/office/drawing/2014/main" id="{38C96FF3-69E9-A64D-99BE-2F7691D36E32}"/>
+              </a:ext>
+            </a:extLst>
+          </p:cNvPr>
+          <p:cNvSpPr>
+            <a:spLocks noGrp="1"/>
+          </p:cNvSpPr>
+          <p:nvPr>
+            <p:ph type="title"/>
+          </p:nvPr>
+        </p:nvSpPr>
+        <p:spPr/>
+        <p:txBody>
+          <a:bodyPr/>
+          <a:lstStyle/>
+          <a:p>
+            <a:r>
+              <a:rPr lang="en-US" dirty="0"/>
+              <a:t>Language Model Notes</a:t>
+            </a:r>
+          </a:p>
+        </p:txBody>
+      </p:sp>
+      <p:sp>
+        <p:nvSpPr>
+          <p:cNvPr id="3" name="Content Placeholder 2">
+            <a:extLst>
+              <a:ext uri="{FF2B5EF4-FFF2-40B4-BE49-F238E27FC236}">
+                <a16:creationId xmlns:a16="http://schemas.microsoft.com/office/drawing/2014/main" id="{ADBB1894-E1A6-0D07-7927-6D634344EC7E}"/>
+              </a:ext>
+            </a:extLst>
+          </p:cNvPr>
+          <p:cNvSpPr>
+            <a:spLocks noGrp="1"/>
+          </p:cNvSpPr>
+          <p:nvPr>
+            <p:ph idx="1"/>
+          </p:nvPr>
+        </p:nvSpPr>
+        <p:spPr>
+          <a:xfrm>
+            <a:off x="1451579" y="2015732"/>
+            <a:ext cx="9603275" cy="3981208"/>
+          </a:xfrm>
+        </p:spPr>
+        <p:txBody>
+          <a:bodyPr/>
+          <a:lstStyle/>
+          <a:p>
+            <a:r>
+              <a:rPr lang="en-US" dirty="0"/>
+              <a:t>This is very simple processing for text, for a simple model. </a:t>
+            </a:r>
+          </a:p>
+          <a:p>
+            <a:r>
+              <a:rPr lang="en-US" dirty="0"/>
+              <a:t>In larger models, the data preparation is different. </a:t>
+            </a:r>
+          </a:p>
+          <a:p>
+            <a:pPr lvl="1"/>
+            <a:r>
+              <a:rPr lang="en-US" dirty="0"/>
+              <a:t>Construction of the datasets is potentially a lot of work. </a:t>
+            </a:r>
+          </a:p>
+          <a:p>
+            <a:pPr lvl="1"/>
+            <a:r>
+              <a:rPr lang="en-US" dirty="0"/>
+              <a:t>Specific applications like chatbots may need to restructure data into prompt-response. </a:t>
+            </a:r>
+          </a:p>
+          <a:p>
+            <a:pPr lvl="1"/>
+            <a:r>
+              <a:rPr lang="en-US" dirty="0"/>
+              <a:t>Other models are commonly used to help process the massive amount of data. </a:t>
+            </a:r>
+          </a:p>
+          <a:p>
+            <a:pPr lvl="1"/>
+            <a:r>
+              <a:rPr lang="en-US" dirty="0"/>
+              <a:t>The dataset is massive, and may only have one or two epochs. </a:t>
+            </a:r>
+          </a:p>
+          <a:p>
+            <a:r>
+              <a:rPr lang="en-US" dirty="0"/>
+              <a:t>Large/smart models also have an assortment of things done to make them faster and better – reinforcement, specialized ‘sub-models’ (mixture of experts), </a:t>
+            </a:r>
+            <a:r>
+              <a:rPr lang="en-US" dirty="0" err="1"/>
+              <a:t>etc</a:t>
+            </a:r>
+            <a:r>
+              <a:rPr lang="en-US" dirty="0"/>
+              <a:t>…</a:t>
+            </a:r>
+          </a:p>
+        </p:txBody>
+      </p:sp>
+    </p:spTree>
+    <p:extLst>
+      <p:ext uri="{BB962C8B-B14F-4D97-AF65-F5344CB8AC3E}">
+        <p14:creationId xmlns:p14="http://schemas.microsoft.com/office/powerpoint/2010/main" val="1573726145"/>
+      </p:ext>
+    </p:extLst>
+  </p:cSld>
+  <p:clrMapOvr>
+    <a:masterClrMapping/>
+  </p:clrMapOvr>
+</p:sld>
+</file>
+
+<file path=ppt/slides/slide12.xml><?xml version="1.0" encoding="utf-8"?>
+<p:sld xmlns:a="http://schemas.openxmlformats.org/drawingml/2006/main" xmlns:r="http://schemas.openxmlformats.org/officeDocument/2006/relationships" xmlns:p="http://schemas.openxmlformats.org/presentationml/2006/main">
+  <p:cSld>
+    <p:spTree>
+      <p:nvGrpSpPr>
+        <p:cNvPr id="1" name=""/>
+        <p:cNvGrpSpPr/>
+        <p:nvPr/>
+      </p:nvGrpSpPr>
+      <p:grpSpPr>
+        <a:xfrm>
+          <a:off x="0" y="0"/>
+          <a:ext cx="0" cy="0"/>
+          <a:chOff x="0" y="0"/>
+          <a:chExt cx="0" cy="0"/>
+        </a:xfrm>
+      </p:grpSpPr>
+      <p:sp>
+        <p:nvSpPr>
+          <p:cNvPr id="2" name="Title 1">
+            <a:extLst>
+              <a:ext uri="{FF2B5EF4-FFF2-40B4-BE49-F238E27FC236}">
                 <a16:creationId xmlns:a16="http://schemas.microsoft.com/office/drawing/2014/main" id="{C7CF3C70-5DBE-9649-91B6-454DF600C9C0}"/>
               </a:ext>
             </a:extLst>
@@ -3946,7 +4139,7 @@
           <a:p>
             <a:r>
               <a:rPr lang="en-US" dirty="0"/>
-              <a:t>We can tune the temperature. </a:t>
+              <a:t>We can tune the temperature…</a:t>
             </a:r>
           </a:p>
         </p:txBody>
@@ -3964,7 +4157,7 @@
 </p:sld>
 </file>
 
-<file path=ppt/slides/slide12.xml><?xml version="1.0" encoding="utf-8"?>
+<file path=ppt/slides/slide13.xml><?xml version="1.0" encoding="utf-8"?>
 <p:sld xmlns:a="http://schemas.openxmlformats.org/drawingml/2006/main" xmlns:r="http://schemas.openxmlformats.org/officeDocument/2006/relationships" xmlns:p="http://schemas.openxmlformats.org/presentationml/2006/main">
   <p:cSld>
     <p:spTree>
@@ -4148,7 +4341,7 @@
 </p:sld>
 </file>
 
-<file path=ppt/slides/slide13.xml><?xml version="1.0" encoding="utf-8"?>
+<file path=ppt/slides/slide14.xml><?xml version="1.0" encoding="utf-8"?>
 <p:sld xmlns:a="http://schemas.openxmlformats.org/drawingml/2006/main" xmlns:r="http://schemas.openxmlformats.org/officeDocument/2006/relationships" xmlns:p="http://schemas.openxmlformats.org/presentationml/2006/main">
   <p:cSld>
     <p:spTree>
@@ -4359,7 +4552,7 @@
 </p:sld>
 </file>
 
-<file path=ppt/slides/slide14.xml><?xml version="1.0" encoding="utf-8"?>
+<file path=ppt/slides/slide15.xml><?xml version="1.0" encoding="utf-8"?>
 <p:sld xmlns:a="http://schemas.openxmlformats.org/drawingml/2006/main" xmlns:r="http://schemas.openxmlformats.org/officeDocument/2006/relationships" xmlns:p="http://schemas.openxmlformats.org/presentationml/2006/main">
   <p:cSld>
     <p:spTree>
@@ -4458,7 +4651,7 @@
           <a:p>
             <a:r>
               <a:rPr lang="en-US" dirty="0"/>
-              <a:t>Actual generative models require lots of training – time and data – to do a good job, ours will be bad. </a:t>
+              <a:t>Actual generative models require lots of training – time and data – ours will be bad. </a:t>
             </a:r>
           </a:p>
           <a:p>
@@ -4466,6 +4659,19 @@
             <a:r>
               <a:rPr lang="en-US" dirty="0"/>
               <a:t>I heard a podcast where an ex-Open AI guy said the next generation would cost $1billion+ to train. </a:t>
+            </a:r>
+          </a:p>
+          <a:p>
+            <a:pPr lvl="1"/>
+            <a:r>
+              <a:rPr lang="en-US" dirty="0"/>
+              <a:t>I already trained the sample model, for at least 800 epochs, so this isn’t starting fresh. </a:t>
+            </a:r>
+          </a:p>
+          <a:p>
+            <a:r>
+              <a:rPr lang="en-US" dirty="0"/>
+              <a:t>There’s an example in the workbooks of both downloading and fine tuning a transformer model, and making one from scratch in the repository. </a:t>
             </a:r>
           </a:p>
         </p:txBody>
@@ -4505,6 +4711,89 @@
           <p:cNvPr id="2" name="Title 1">
             <a:extLst>
               <a:ext uri="{FF2B5EF4-FFF2-40B4-BE49-F238E27FC236}">
+                <a16:creationId xmlns:a16="http://schemas.microsoft.com/office/drawing/2014/main" id="{CDF519A7-928A-8E8E-35F1-C85EE3203ABA}"/>
+              </a:ext>
+            </a:extLst>
+          </p:cNvPr>
+          <p:cNvSpPr>
+            <a:spLocks noGrp="1"/>
+          </p:cNvSpPr>
+          <p:nvPr>
+            <p:ph type="ctrTitle"/>
+          </p:nvPr>
+        </p:nvSpPr>
+        <p:spPr/>
+        <p:txBody>
+          <a:bodyPr/>
+          <a:lstStyle/>
+          <a:p>
+            <a:r>
+              <a:rPr lang="en-US" dirty="0"/>
+              <a:t>Text Generation</a:t>
+            </a:r>
+          </a:p>
+        </p:txBody>
+      </p:sp>
+      <p:sp>
+        <p:nvSpPr>
+          <p:cNvPr id="3" name="Subtitle 2">
+            <a:extLst>
+              <a:ext uri="{FF2B5EF4-FFF2-40B4-BE49-F238E27FC236}">
+                <a16:creationId xmlns:a16="http://schemas.microsoft.com/office/drawing/2014/main" id="{365B798F-E73B-B6DD-4907-5069BB3FDB16}"/>
+              </a:ext>
+            </a:extLst>
+          </p:cNvPr>
+          <p:cNvSpPr>
+            <a:spLocks noGrp="1"/>
+          </p:cNvSpPr>
+          <p:nvPr>
+            <p:ph type="subTitle" idx="1"/>
+          </p:nvPr>
+        </p:nvSpPr>
+        <p:spPr/>
+        <p:txBody>
+          <a:bodyPr/>
+          <a:lstStyle/>
+          <a:p>
+            <a:endParaRPr lang="en-US"/>
+          </a:p>
+        </p:txBody>
+      </p:sp>
+    </p:spTree>
+    <p:extLst>
+      <p:ext uri="{BB962C8B-B14F-4D97-AF65-F5344CB8AC3E}">
+        <p14:creationId xmlns:p14="http://schemas.microsoft.com/office/powerpoint/2010/main" val="838896935"/>
+      </p:ext>
+    </p:extLst>
+  </p:cSld>
+  <p:clrMapOvr>
+    <a:masterClrMapping/>
+  </p:clrMapOvr>
+</p:sld>
+</file>
+
+<file path=ppt/slides/slide3.xml><?xml version="1.0" encoding="utf-8"?>
+<p:sld xmlns:a="http://schemas.openxmlformats.org/drawingml/2006/main" xmlns:r="http://schemas.openxmlformats.org/officeDocument/2006/relationships" xmlns:p="http://schemas.openxmlformats.org/presentationml/2006/main">
+  <p:cSld>
+    <p:spTree>
+      <p:nvGrpSpPr>
+        <p:cNvPr id="1" name=""/>
+        <p:cNvGrpSpPr/>
+        <p:nvPr/>
+      </p:nvGrpSpPr>
+      <p:grpSpPr>
+        <a:xfrm>
+          <a:off x="0" y="0"/>
+          <a:ext cx="0" cy="0"/>
+          <a:chOff x="0" y="0"/>
+          <a:chExt cx="0" cy="0"/>
+        </a:xfrm>
+      </p:grpSpPr>
+      <p:sp>
+        <p:nvSpPr>
+          <p:cNvPr id="2" name="Title 1">
+            <a:extLst>
+              <a:ext uri="{FF2B5EF4-FFF2-40B4-BE49-F238E27FC236}">
                 <a16:creationId xmlns:a16="http://schemas.microsoft.com/office/drawing/2014/main" id="{C49A52D8-F0B2-44EC-39C8-DFF500635B1F}"/>
               </a:ext>
             </a:extLst>
@@ -4620,7 +4909,7 @@
 </p:sld>
 </file>
 
-<file path=ppt/slides/slide3.xml><?xml version="1.0" encoding="utf-8"?>
+<file path=ppt/slides/slide4.xml><?xml version="1.0" encoding="utf-8"?>
 <p:sld xmlns:a="http://schemas.openxmlformats.org/drawingml/2006/main" xmlns:r="http://schemas.openxmlformats.org/officeDocument/2006/relationships" xmlns:p="http://schemas.openxmlformats.org/presentationml/2006/main">
   <p:cSld>
     <p:spTree>
@@ -4747,130 +5036,6 @@
 </p:sld>
 </file>
 
-<file path=ppt/slides/slide4.xml><?xml version="1.0" encoding="utf-8"?>
-<p:sld xmlns:a="http://schemas.openxmlformats.org/drawingml/2006/main" xmlns:r="http://schemas.openxmlformats.org/officeDocument/2006/relationships" xmlns:p="http://schemas.openxmlformats.org/presentationml/2006/main">
-  <p:cSld>
-    <p:spTree>
-      <p:nvGrpSpPr>
-        <p:cNvPr id="1" name=""/>
-        <p:cNvGrpSpPr/>
-        <p:nvPr/>
-      </p:nvGrpSpPr>
-      <p:grpSpPr>
-        <a:xfrm>
-          <a:off x="0" y="0"/>
-          <a:ext cx="0" cy="0"/>
-          <a:chOff x="0" y="0"/>
-          <a:chExt cx="0" cy="0"/>
-        </a:xfrm>
-      </p:grpSpPr>
-      <p:sp>
-        <p:nvSpPr>
-          <p:cNvPr id="2" name="Title 1">
-            <a:extLst>
-              <a:ext uri="{FF2B5EF4-FFF2-40B4-BE49-F238E27FC236}">
-                <a16:creationId xmlns:a16="http://schemas.microsoft.com/office/drawing/2014/main" id="{D5A7217F-29B9-0F13-1827-E29CCF7EB1B3}"/>
-              </a:ext>
-            </a:extLst>
-          </p:cNvPr>
-          <p:cNvSpPr>
-            <a:spLocks noGrp="1"/>
-          </p:cNvSpPr>
-          <p:nvPr>
-            <p:ph type="title"/>
-          </p:nvPr>
-        </p:nvSpPr>
-        <p:spPr/>
-        <p:txBody>
-          <a:bodyPr/>
-          <a:lstStyle/>
-          <a:p>
-            <a:r>
-              <a:rPr lang="en-US" dirty="0"/>
-              <a:t>Predicting Text</a:t>
-            </a:r>
-          </a:p>
-        </p:txBody>
-      </p:sp>
-      <p:sp>
-        <p:nvSpPr>
-          <p:cNvPr id="3" name="Content Placeholder 2">
-            <a:extLst>
-              <a:ext uri="{FF2B5EF4-FFF2-40B4-BE49-F238E27FC236}">
-                <a16:creationId xmlns:a16="http://schemas.microsoft.com/office/drawing/2014/main" id="{D54C3147-248D-7FA1-5D5F-44A93AD7225A}"/>
-              </a:ext>
-            </a:extLst>
-          </p:cNvPr>
-          <p:cNvSpPr>
-            <a:spLocks noGrp="1"/>
-          </p:cNvSpPr>
-          <p:nvPr>
-            <p:ph idx="1"/>
-          </p:nvPr>
-        </p:nvSpPr>
-        <p:spPr>
-          <a:xfrm>
-            <a:off x="1451579" y="2015732"/>
-            <a:ext cx="9603275" cy="4037749"/>
-          </a:xfrm>
-        </p:spPr>
-        <p:txBody>
-          <a:bodyPr/>
-          <a:lstStyle/>
-          <a:p>
-            <a:r>
-              <a:rPr lang="en-US" dirty="0"/>
-              <a:t>Text is one of the things that has temporal relationships in the data. </a:t>
-            </a:r>
-          </a:p>
-          <a:p>
-            <a:pPr lvl="1"/>
-            <a:r>
-              <a:rPr lang="en-US" dirty="0"/>
-              <a:t>The order of words matter, as does what came earlier in the sequence. </a:t>
-            </a:r>
-          </a:p>
-          <a:p>
-            <a:r>
-              <a:rPr lang="en-US" dirty="0"/>
-              <a:t>We can use a model to predict the next word, or set of words. </a:t>
-            </a:r>
-          </a:p>
-          <a:p>
-            <a:pPr lvl="1"/>
-            <a:r>
-              <a:rPr lang="en-US" dirty="0"/>
-              <a:t>Input – previous tokens. </a:t>
-            </a:r>
-          </a:p>
-          <a:p>
-            <a:pPr lvl="1"/>
-            <a:r>
-              <a:rPr lang="en-US" dirty="0"/>
-              <a:t>Output – next token(s). </a:t>
-            </a:r>
-          </a:p>
-          <a:p>
-            <a:r>
-              <a:rPr lang="en-US" dirty="0"/>
-              <a:t>A piece of text is a weird time-series of words. </a:t>
-            </a:r>
-          </a:p>
-        </p:txBody>
-      </p:sp>
-    </p:spTree>
-    <p:extLst>
-      <p:ext uri="{BB962C8B-B14F-4D97-AF65-F5344CB8AC3E}">
-        <p14:creationId xmlns:p14="http://schemas.microsoft.com/office/powerpoint/2010/main" val="3829140797"/>
-      </p:ext>
-    </p:extLst>
-  </p:cSld>
-  <p:clrMapOvr>
-    <a:masterClrMapping/>
-  </p:clrMapOvr>
-</p:sld>
-</file>
-
 <file path=ppt/slides/slide5.xml><?xml version="1.0" encoding="utf-8"?>
 <p:sld xmlns:a="http://schemas.openxmlformats.org/drawingml/2006/main" xmlns:r="http://schemas.openxmlformats.org/officeDocument/2006/relationships" xmlns:p="http://schemas.openxmlformats.org/presentationml/2006/main">
   <p:cSld>
@@ -4893,6 +5058,130 @@
           <p:cNvPr id="2" name="Title 1">
             <a:extLst>
               <a:ext uri="{FF2B5EF4-FFF2-40B4-BE49-F238E27FC236}">
+                <a16:creationId xmlns:a16="http://schemas.microsoft.com/office/drawing/2014/main" id="{D5A7217F-29B9-0F13-1827-E29CCF7EB1B3}"/>
+              </a:ext>
+            </a:extLst>
+          </p:cNvPr>
+          <p:cNvSpPr>
+            <a:spLocks noGrp="1"/>
+          </p:cNvSpPr>
+          <p:nvPr>
+            <p:ph type="title"/>
+          </p:nvPr>
+        </p:nvSpPr>
+        <p:spPr/>
+        <p:txBody>
+          <a:bodyPr/>
+          <a:lstStyle/>
+          <a:p>
+            <a:r>
+              <a:rPr lang="en-US" dirty="0"/>
+              <a:t>Predicting Text</a:t>
+            </a:r>
+          </a:p>
+        </p:txBody>
+      </p:sp>
+      <p:sp>
+        <p:nvSpPr>
+          <p:cNvPr id="3" name="Content Placeholder 2">
+            <a:extLst>
+              <a:ext uri="{FF2B5EF4-FFF2-40B4-BE49-F238E27FC236}">
+                <a16:creationId xmlns:a16="http://schemas.microsoft.com/office/drawing/2014/main" id="{D54C3147-248D-7FA1-5D5F-44A93AD7225A}"/>
+              </a:ext>
+            </a:extLst>
+          </p:cNvPr>
+          <p:cNvSpPr>
+            <a:spLocks noGrp="1"/>
+          </p:cNvSpPr>
+          <p:nvPr>
+            <p:ph idx="1"/>
+          </p:nvPr>
+        </p:nvSpPr>
+        <p:spPr>
+          <a:xfrm>
+            <a:off x="1451579" y="2015732"/>
+            <a:ext cx="9603275" cy="4037749"/>
+          </a:xfrm>
+        </p:spPr>
+        <p:txBody>
+          <a:bodyPr/>
+          <a:lstStyle/>
+          <a:p>
+            <a:r>
+              <a:rPr lang="en-US" dirty="0"/>
+              <a:t>Text is one of the things that has temporal relationships in the data. </a:t>
+            </a:r>
+          </a:p>
+          <a:p>
+            <a:pPr lvl="1"/>
+            <a:r>
+              <a:rPr lang="en-US" dirty="0"/>
+              <a:t>The order of words matter, as does what came earlier in the sequence. </a:t>
+            </a:r>
+          </a:p>
+          <a:p>
+            <a:r>
+              <a:rPr lang="en-US" dirty="0"/>
+              <a:t>We can use a model to predict the next word, or set of words. </a:t>
+            </a:r>
+          </a:p>
+          <a:p>
+            <a:pPr lvl="1"/>
+            <a:r>
+              <a:rPr lang="en-US" dirty="0"/>
+              <a:t>Input – previous tokens. </a:t>
+            </a:r>
+          </a:p>
+          <a:p>
+            <a:pPr lvl="1"/>
+            <a:r>
+              <a:rPr lang="en-US" dirty="0"/>
+              <a:t>Output – next token(s). </a:t>
+            </a:r>
+          </a:p>
+          <a:p>
+            <a:r>
+              <a:rPr lang="en-US" dirty="0"/>
+              <a:t>A piece of text is a weird time-series of words. </a:t>
+            </a:r>
+          </a:p>
+        </p:txBody>
+      </p:sp>
+    </p:spTree>
+    <p:extLst>
+      <p:ext uri="{BB962C8B-B14F-4D97-AF65-F5344CB8AC3E}">
+        <p14:creationId xmlns:p14="http://schemas.microsoft.com/office/powerpoint/2010/main" val="3829140797"/>
+      </p:ext>
+    </p:extLst>
+  </p:cSld>
+  <p:clrMapOvr>
+    <a:masterClrMapping/>
+  </p:clrMapOvr>
+</p:sld>
+</file>
+
+<file path=ppt/slides/slide6.xml><?xml version="1.0" encoding="utf-8"?>
+<p:sld xmlns:a="http://schemas.openxmlformats.org/drawingml/2006/main" xmlns:r="http://schemas.openxmlformats.org/officeDocument/2006/relationships" xmlns:p="http://schemas.openxmlformats.org/presentationml/2006/main">
+  <p:cSld>
+    <p:spTree>
+      <p:nvGrpSpPr>
+        <p:cNvPr id="1" name=""/>
+        <p:cNvGrpSpPr/>
+        <p:nvPr/>
+      </p:nvGrpSpPr>
+      <p:grpSpPr>
+        <a:xfrm>
+          <a:off x="0" y="0"/>
+          <a:ext cx="0" cy="0"/>
+          <a:chOff x="0" y="0"/>
+          <a:chExt cx="0" cy="0"/>
+        </a:xfrm>
+      </p:grpSpPr>
+      <p:sp>
+        <p:nvSpPr>
+          <p:cNvPr id="2" name="Title 1">
+            <a:extLst>
+              <a:ext uri="{FF2B5EF4-FFF2-40B4-BE49-F238E27FC236}">
                 <a16:creationId xmlns:a16="http://schemas.microsoft.com/office/drawing/2014/main" id="{302C9F35-C90B-D7C2-C0E2-FCFBC469A15D}"/>
               </a:ext>
             </a:extLst>
@@ -5002,7 +5291,7 @@
 </p:sld>
 </file>
 
-<file path=ppt/slides/slide6.xml><?xml version="1.0" encoding="utf-8"?>
+<file path=ppt/slides/slide7.xml><?xml version="1.0" encoding="utf-8"?>
 <p:sld xmlns:a="http://schemas.openxmlformats.org/drawingml/2006/main" xmlns:r="http://schemas.openxmlformats.org/officeDocument/2006/relationships" xmlns:p="http://schemas.openxmlformats.org/presentationml/2006/main">
   <p:cSld>
     <p:spTree>
@@ -5129,7 +5418,7 @@
 </p:sld>
 </file>
 
-<file path=ppt/slides/slide7.xml><?xml version="1.0" encoding="utf-8"?>
+<file path=ppt/slides/slide8.xml><?xml version="1.0" encoding="utf-8"?>
 <p:sld xmlns:a="http://schemas.openxmlformats.org/drawingml/2006/main" xmlns:r="http://schemas.openxmlformats.org/officeDocument/2006/relationships" xmlns:p="http://schemas.openxmlformats.org/presentationml/2006/main">
   <p:cSld>
     <p:spTree>
@@ -5274,7 +5563,7 @@
 </p:sld>
 </file>
 
-<file path=ppt/slides/slide8.xml><?xml version="1.0" encoding="utf-8"?>
+<file path=ppt/slides/slide9.xml><?xml version="1.0" encoding="utf-8"?>
 <p:sld xmlns:a="http://schemas.openxmlformats.org/drawingml/2006/main" xmlns:r="http://schemas.openxmlformats.org/officeDocument/2006/relationships" xmlns:p="http://schemas.openxmlformats.org/presentationml/2006/main">
   <p:cSld>
     <p:spTree>
@@ -5410,160 +5699,6 @@
     <p:extLst>
       <p:ext uri="{BB962C8B-B14F-4D97-AF65-F5344CB8AC3E}">
         <p14:creationId xmlns:p14="http://schemas.microsoft.com/office/powerpoint/2010/main" val="2829426510"/>
-      </p:ext>
-    </p:extLst>
-  </p:cSld>
-  <p:clrMapOvr>
-    <a:masterClrMapping/>
-  </p:clrMapOvr>
-</p:sld>
-</file>
-
-<file path=ppt/slides/slide9.xml><?xml version="1.0" encoding="utf-8"?>
-<p:sld xmlns:a="http://schemas.openxmlformats.org/drawingml/2006/main" xmlns:r="http://schemas.openxmlformats.org/officeDocument/2006/relationships" xmlns:p="http://schemas.openxmlformats.org/presentationml/2006/main">
-  <p:cSld>
-    <p:spTree>
-      <p:nvGrpSpPr>
-        <p:cNvPr id="1" name=""/>
-        <p:cNvGrpSpPr/>
-        <p:nvPr/>
-      </p:nvGrpSpPr>
-      <p:grpSpPr>
-        <a:xfrm>
-          <a:off x="0" y="0"/>
-          <a:ext cx="0" cy="0"/>
-          <a:chOff x="0" y="0"/>
-          <a:chExt cx="0" cy="0"/>
-        </a:xfrm>
-      </p:grpSpPr>
-      <p:sp>
-        <p:nvSpPr>
-          <p:cNvPr id="2" name="Title 1">
-            <a:extLst>
-              <a:ext uri="{FF2B5EF4-FFF2-40B4-BE49-F238E27FC236}">
-                <a16:creationId xmlns:a16="http://schemas.microsoft.com/office/drawing/2014/main" id="{A55DDFA4-393E-5110-6900-68096A021D55}"/>
-              </a:ext>
-            </a:extLst>
-          </p:cNvPr>
-          <p:cNvSpPr>
-            <a:spLocks noGrp="1"/>
-          </p:cNvSpPr>
-          <p:nvPr>
-            <p:ph type="title"/>
-          </p:nvPr>
-        </p:nvSpPr>
-        <p:spPr/>
-        <p:txBody>
-          <a:bodyPr/>
-          <a:lstStyle/>
-          <a:p>
-            <a:r>
-              <a:rPr lang="en-US" dirty="0"/>
-              <a:t>Post Padding</a:t>
-            </a:r>
-          </a:p>
-        </p:txBody>
-      </p:sp>
-      <p:sp>
-        <p:nvSpPr>
-          <p:cNvPr id="3" name="Content Placeholder 2">
-            <a:extLst>
-              <a:ext uri="{FF2B5EF4-FFF2-40B4-BE49-F238E27FC236}">
-                <a16:creationId xmlns:a16="http://schemas.microsoft.com/office/drawing/2014/main" id="{F97CAC3D-573A-FAD8-A247-F31CBCB99315}"/>
-              </a:ext>
-            </a:extLst>
-          </p:cNvPr>
-          <p:cNvSpPr>
-            <a:spLocks noGrp="1"/>
-          </p:cNvSpPr>
-          <p:nvPr>
-            <p:ph idx="1"/>
-          </p:nvPr>
-        </p:nvSpPr>
-        <p:spPr>
-          <a:xfrm>
-            <a:off x="1451579" y="1853754"/>
-            <a:ext cx="9603275" cy="1308547"/>
-          </a:xfrm>
-        </p:spPr>
-        <p:txBody>
-          <a:bodyPr/>
-          <a:lstStyle/>
-          <a:p>
-            <a:r>
-              <a:rPr lang="en-US" dirty="0"/>
-              <a:t>After padding, we have a usable dataset. </a:t>
-            </a:r>
-          </a:p>
-          <a:p>
-            <a:pPr lvl="1"/>
-            <a:r>
-              <a:rPr lang="en-US" dirty="0"/>
-              <a:t>Each X value will be a fixed number of tokens before the current word.</a:t>
-            </a:r>
-          </a:p>
-          <a:p>
-            <a:pPr lvl="1"/>
-            <a:r>
-              <a:rPr lang="en-US" dirty="0"/>
-              <a:t>The target is the next token, we can train. </a:t>
-            </a:r>
-          </a:p>
-          <a:p>
-            <a:pPr lvl="1"/>
-            <a:endParaRPr lang="en-US" dirty="0"/>
-          </a:p>
-        </p:txBody>
-      </p:sp>
-      <p:pic>
-        <p:nvPicPr>
-          <p:cNvPr id="4098" name="Picture 2" descr="PackedBERT: How to accelerate NLP tasks for Transformers with packing">
-            <a:extLst>
-              <a:ext uri="{FF2B5EF4-FFF2-40B4-BE49-F238E27FC236}">
-                <a16:creationId xmlns:a16="http://schemas.microsoft.com/office/drawing/2014/main" id="{D9E303AE-084E-660D-E255-9A480975C554}"/>
-              </a:ext>
-            </a:extLst>
-          </p:cNvPr>
-          <p:cNvPicPr>
-            <a:picLocks noChangeAspect="1" noChangeArrowheads="1"/>
-          </p:cNvPicPr>
-          <p:nvPr/>
-        </p:nvPicPr>
-        <p:blipFill rotWithShape="1">
-          <a:blip r:embed="rId2">
-            <a:extLst>
-              <a:ext uri="{28A0092B-C50C-407E-A947-70E740481C1C}">
-                <a14:useLocalDpi xmlns:a14="http://schemas.microsoft.com/office/drawing/2010/main" val="0"/>
-              </a:ext>
-            </a:extLst>
-          </a:blip>
-          <a:srcRect l="13125" t="23000" r="10562" b="23111"/>
-          <a:stretch/>
-        </p:blipFill>
-        <p:spPr bwMode="auto">
-          <a:xfrm>
-            <a:off x="1451579" y="3162300"/>
-            <a:ext cx="9304020" cy="3695700"/>
-          </a:xfrm>
-          <a:prstGeom prst="rect">
-            <a:avLst/>
-          </a:prstGeom>
-          <a:noFill/>
-          <a:extLst>
-            <a:ext uri="{909E8E84-426E-40DD-AFC4-6F175D3DCCD1}">
-              <a14:hiddenFill xmlns:a14="http://schemas.microsoft.com/office/drawing/2010/main">
-                <a:solidFill>
-                  <a:srgbClr val="FFFFFF"/>
-                </a:solidFill>
-              </a14:hiddenFill>
-            </a:ext>
-          </a:extLst>
-        </p:spPr>
-      </p:pic>
-    </p:spTree>
-    <p:extLst>
-      <p:ext uri="{BB962C8B-B14F-4D97-AF65-F5344CB8AC3E}">
-        <p14:creationId xmlns:p14="http://schemas.microsoft.com/office/powerpoint/2010/main" val="3368754457"/>
       </p:ext>
     </p:extLst>
   </p:cSld>
